--- a/Image-Forgery-Detection.pptx
+++ b/Image-Forgery-Detection.pptx
@@ -5,7 +5,7 @@
     <p:sldMasterId id="2147483648" r:id="rId1"/>
   </p:sldMasterIdLst>
   <p:notesMasterIdLst>
-    <p:notesMasterId r:id="rId9"/>
+    <p:notesMasterId r:id="rId10"/>
   </p:notesMasterIdLst>
   <p:sldIdLst>
     <p:sldId id="256" r:id="rId2"/>
@@ -15,22 +15,23 @@
     <p:sldId id="261" r:id="rId6"/>
     <p:sldId id="264" r:id="rId7"/>
     <p:sldId id="265" r:id="rId8"/>
+    <p:sldId id="266" r:id="rId9"/>
   </p:sldIdLst>
   <p:sldSz cx="14630400" cy="8229600"/>
   <p:notesSz cx="8229600" cy="14630400"/>
   <p:embeddedFontLst>
     <p:embeddedFont>
       <p:font typeface="Alice" panose="020B0604020202020204" charset="0"/>
-      <p:regular r:id="rId10"/>
+      <p:regular r:id="rId11"/>
     </p:embeddedFont>
     <p:embeddedFont>
       <p:font typeface="Lora" pitchFamily="2" charset="0"/>
-      <p:regular r:id="rId11"/>
-      <p:bold r:id="rId12"/>
+      <p:regular r:id="rId12"/>
+      <p:bold r:id="rId13"/>
     </p:embeddedFont>
     <p:embeddedFont>
       <p:font typeface="Lora Bold" charset="0"/>
-      <p:bold r:id="rId13"/>
+      <p:bold r:id="rId14"/>
     </p:embeddedFont>
   </p:embeddedFontLst>
   <p:defaultTextStyle>
@@ -5241,7 +5242,7 @@
         </p:nvSpPr>
         <p:spPr>
           <a:xfrm>
-            <a:off x="793790" y="1912025"/>
+            <a:off x="793790" y="1547913"/>
             <a:ext cx="1630323" cy="1306949"/>
           </a:xfrm>
           <a:prstGeom prst="roundRect">
@@ -5347,7 +5348,7 @@
         </p:nvSpPr>
         <p:spPr>
           <a:xfrm>
-            <a:off x="2650927" y="2629257"/>
+            <a:off x="2650927" y="2476719"/>
             <a:ext cx="4278035" cy="362903"/>
           </a:xfrm>
           <a:prstGeom prst="rect">
@@ -5389,7 +5390,7 @@
         </p:nvSpPr>
         <p:spPr>
           <a:xfrm>
-            <a:off x="2537460" y="3203734"/>
+            <a:off x="2424113" y="2839622"/>
             <a:ext cx="11185803" cy="15240"/>
           </a:xfrm>
           <a:prstGeom prst="roundRect">
@@ -5411,7 +5412,7 @@
         </p:nvSpPr>
         <p:spPr>
           <a:xfrm>
-            <a:off x="793790" y="3332321"/>
+            <a:off x="793790" y="2944379"/>
             <a:ext cx="3260646" cy="1306949"/>
           </a:xfrm>
           <a:prstGeom prst="roundRect">
@@ -5517,7 +5518,7 @@
         </p:nvSpPr>
         <p:spPr>
           <a:xfrm>
-            <a:off x="4281249" y="4049554"/>
+            <a:off x="4281249" y="3897739"/>
             <a:ext cx="3975854" cy="362903"/>
           </a:xfrm>
           <a:prstGeom prst="rect">
@@ -5559,7 +5560,7 @@
         </p:nvSpPr>
         <p:spPr>
           <a:xfrm>
-            <a:off x="4167783" y="4624030"/>
+            <a:off x="4068544" y="4251328"/>
             <a:ext cx="9555480" cy="15240"/>
           </a:xfrm>
           <a:prstGeom prst="roundRect">
@@ -5581,7 +5582,7 @@
         </p:nvSpPr>
         <p:spPr>
           <a:xfrm>
-            <a:off x="793790" y="4752618"/>
+            <a:off x="793790" y="4340845"/>
             <a:ext cx="4890968" cy="1306949"/>
           </a:xfrm>
           <a:prstGeom prst="roundRect">
@@ -5594,6 +5595,13 @@
           </a:solidFill>
           <a:ln/>
         </p:spPr>
+        <p:txBody>
+          <a:bodyPr/>
+          <a:lstStyle/>
+          <a:p>
+            <a:endParaRPr lang="en-IN" dirty="0"/>
+          </a:p>
+        </p:txBody>
       </p:sp>
       <p:sp>
         <p:nvSpPr>
@@ -5687,7 +5695,7 @@
         </p:nvSpPr>
         <p:spPr>
           <a:xfrm>
-            <a:off x="5911572" y="5469850"/>
+            <a:off x="5911572" y="5224640"/>
             <a:ext cx="3938230" cy="362903"/>
           </a:xfrm>
           <a:prstGeom prst="rect">
@@ -5729,7 +5737,7 @@
         </p:nvSpPr>
         <p:spPr>
           <a:xfrm>
-            <a:off x="5798106" y="6044327"/>
+            <a:off x="5798106" y="5620792"/>
             <a:ext cx="7925157" cy="15240"/>
           </a:xfrm>
           <a:prstGeom prst="roundRect">
@@ -5751,7 +5759,7 @@
         </p:nvSpPr>
         <p:spPr>
           <a:xfrm>
-            <a:off x="793790" y="6172914"/>
+            <a:off x="653451" y="5817865"/>
             <a:ext cx="6521410" cy="1306949"/>
           </a:xfrm>
           <a:prstGeom prst="roundRect">
@@ -5764,6 +5772,25 @@
           </a:solidFill>
           <a:ln/>
         </p:spPr>
+        <p:txBody>
+          <a:bodyPr/>
+          <a:lstStyle/>
+          <a:p>
+            <a:endParaRPr lang="en-US" dirty="0"/>
+          </a:p>
+          <a:p>
+            <a:endParaRPr lang="en-IN" dirty="0"/>
+          </a:p>
+          <a:p>
+            <a:endParaRPr lang="en-IN" dirty="0"/>
+          </a:p>
+          <a:p>
+            <a:endParaRPr lang="en-IN" dirty="0"/>
+          </a:p>
+          <a:p>
+            <a:endParaRPr lang="en-IN" dirty="0"/>
+          </a:p>
+        </p:txBody>
       </p:sp>
       <p:sp>
         <p:nvSpPr>
@@ -5857,7 +5884,7 @@
         </p:nvSpPr>
         <p:spPr>
           <a:xfrm>
-            <a:off x="7542014" y="6890147"/>
+            <a:off x="7542014" y="6774482"/>
             <a:ext cx="4107537" cy="362903"/>
           </a:xfrm>
           <a:prstGeom prst="rect">
@@ -5885,13 +5912,138 @@
                 <a:ea typeface="Lora" pitchFamily="34" charset="-122"/>
                 <a:cs typeface="Lora" pitchFamily="34" charset="-120"/>
               </a:rPr>
-              <a:t>Security, authentication, and forensics.</a:t>
+              <a:t>Security, authentication, and forensics</a:t>
+            </a:r>
+          </a:p>
+          <a:p>
+            <a:pPr marL="0" indent="0" algn="l">
+              <a:lnSpc>
+                <a:spcPts val="2850"/>
+              </a:lnSpc>
+              <a:buNone/>
+            </a:pPr>
+            <a:endParaRPr lang="en-US" sz="1750" dirty="0">
+              <a:solidFill>
+                <a:srgbClr val="2C2821"/>
+              </a:solidFill>
+              <a:latin typeface="Lora" pitchFamily="34" charset="0"/>
+              <a:ea typeface="Lora" pitchFamily="34" charset="-122"/>
+              <a:cs typeface="Lora" pitchFamily="34" charset="-120"/>
+            </a:endParaRPr>
+          </a:p>
+          <a:p>
+            <a:pPr marL="0" indent="0" algn="l">
+              <a:lnSpc>
+                <a:spcPts val="2850"/>
+              </a:lnSpc>
+              <a:buNone/>
+            </a:pPr>
+            <a:r>
+              <a:rPr lang="en-US" sz="1750" dirty="0">
+                <a:solidFill>
+                  <a:srgbClr val="2C2821"/>
+                </a:solidFill>
+                <a:latin typeface="Lora" pitchFamily="34" charset="0"/>
+                <a:ea typeface="Lora" pitchFamily="34" charset="-122"/>
+                <a:cs typeface="Lora" pitchFamily="34" charset="-120"/>
+              </a:rPr>
+              <a:t>.</a:t>
             </a:r>
             <a:endParaRPr lang="en-US" sz="1750" dirty="0"/>
           </a:p>
         </p:txBody>
       </p:sp>
     </p:spTree>
+  </p:cSld>
+  <p:clrMapOvr>
+    <a:masterClrMapping/>
+  </p:clrMapOvr>
+</p:sld>
+</file>
+
+<file path=ppt/slides/slide8.xml><?xml version="1.0" encoding="utf-8"?>
+<p:sld xmlns:a="http://schemas.openxmlformats.org/drawingml/2006/main" xmlns:r="http://schemas.openxmlformats.org/officeDocument/2006/relationships" xmlns:p="http://schemas.openxmlformats.org/presentationml/2006/main">
+  <p:cSld>
+    <p:spTree>
+      <p:nvGrpSpPr>
+        <p:cNvPr id="1" name=""/>
+        <p:cNvGrpSpPr/>
+        <p:nvPr/>
+      </p:nvGrpSpPr>
+      <p:grpSpPr>
+        <a:xfrm>
+          <a:off x="0" y="0"/>
+          <a:ext cx="0" cy="0"/>
+          <a:chOff x="0" y="0"/>
+          <a:chExt cx="0" cy="0"/>
+        </a:xfrm>
+      </p:grpSpPr>
+      <p:sp>
+        <p:nvSpPr>
+          <p:cNvPr id="3" name="TextBox 2">
+            <a:extLst>
+              <a:ext uri="{FF2B5EF4-FFF2-40B4-BE49-F238E27FC236}">
+                <a16:creationId xmlns:a16="http://schemas.microsoft.com/office/drawing/2014/main" id="{FDC29671-896D-CF10-129F-1C52E0F98693}"/>
+              </a:ext>
+            </a:extLst>
+          </p:cNvPr>
+          <p:cNvSpPr txBox="1"/>
+          <p:nvPr/>
+        </p:nvSpPr>
+        <p:spPr>
+          <a:xfrm>
+            <a:off x="2602522" y="1852246"/>
+            <a:ext cx="9870831" cy="3200876"/>
+          </a:xfrm>
+          <a:prstGeom prst="rect">
+            <a:avLst/>
+          </a:prstGeom>
+          <a:noFill/>
+        </p:spPr>
+        <p:txBody>
+          <a:bodyPr wrap="square" rtlCol="0">
+            <a:spAutoFit/>
+          </a:bodyPr>
+          <a:lstStyle/>
+          <a:p>
+            <a:r>
+              <a:rPr lang="en-IN" sz="4400" b="1" dirty="0"/>
+              <a:t>               Demo Video Link :</a:t>
+            </a:r>
+          </a:p>
+          <a:p>
+            <a:r>
+              <a:rPr lang="en-IN" sz="2800" b="1" dirty="0"/>
+              <a:t> </a:t>
+            </a:r>
+            <a:r>
+              <a:rPr lang="en-IN" sz="2800" dirty="0">
+                <a:hlinkClick r:id="rId2"/>
+              </a:rPr>
+              <a:t>https://drive.google.com/file/d/1HE8OicPrbJLVPZvdQ0dXelcQ0NDjPlQE/view?usp=sharing</a:t>
+            </a:r>
+            <a:endParaRPr lang="en-IN" sz="2800" dirty="0"/>
+          </a:p>
+          <a:p>
+            <a:endParaRPr lang="en-IN" sz="2800" dirty="0"/>
+          </a:p>
+          <a:p>
+            <a:r>
+              <a:rPr lang="en-IN" sz="2800" dirty="0"/>
+              <a:t>Also Present in the Readme.md file in GitHub</a:t>
+            </a:r>
+          </a:p>
+          <a:p>
+            <a:endParaRPr lang="en-IN" dirty="0"/>
+          </a:p>
+        </p:txBody>
+      </p:sp>
+    </p:spTree>
+    <p:extLst>
+      <p:ext uri="{BB962C8B-B14F-4D97-AF65-F5344CB8AC3E}">
+        <p14:creationId xmlns:p14="http://schemas.microsoft.com/office/powerpoint/2010/main" val="1667240712"/>
+      </p:ext>
+    </p:extLst>
   </p:cSld>
   <p:clrMapOvr>
     <a:masterClrMapping/>
